--- a/CS588 Project Deliverable 2.pptx
+++ b/CS588 Project Deliverable 2.pptx
@@ -24003,8 +24003,8 @@
         </p:nvSpPr>
         <p:spPr>
           <a:xfrm>
-            <a:off x="561857" y="1690688"/>
-            <a:ext cx="11210441" cy="923330"/>
+            <a:off x="1524000" y="1690688"/>
+            <a:ext cx="9296400" cy="2031325"/>
           </a:xfrm>
           <a:prstGeom prst="rect">
             <a:avLst/>
@@ -24012,7 +24012,7 @@
           <a:noFill/>
         </p:spPr>
         <p:txBody>
-          <a:bodyPr wrap="none" rtlCol="0">
+          <a:bodyPr wrap="square" rtlCol="0">
             <a:spAutoFit/>
           </a:bodyPr>
           <a:lstStyle/>
@@ -24023,7 +24023,7 @@
             </a:pPr>
             <a:r>
               <a:rPr lang="en-US" dirty="0"/>
-              <a:t>With the small samples, OpenAI predicts the number of bug with better than our trained model</a:t>
+              <a:t>With the small samples and small number of experiments, OpenAI predicts the number of bug with better than our trained model</a:t>
             </a:r>
           </a:p>
           <a:p>
@@ -24033,7 +24033,17 @@
             </a:pPr>
             <a:r>
               <a:rPr lang="en-US" dirty="0"/>
-              <a:t>Limitation is largely due to the API token limit, which limits the amount of data our model can be trained on</a:t>
+              <a:t>Limitation is largely due to the API token limit, which limits the amount of data our model can be trained on since we give the same data to our model and OpenAI</a:t>
+            </a:r>
+          </a:p>
+          <a:p>
+            <a:pPr marL="285750" indent="-285750">
+              <a:buFont typeface="Arial" panose="020B0604020202020204" pitchFamily="34" charset="0"/>
+              <a:buChar char="•"/>
+            </a:pPr>
+            <a:r>
+              <a:rPr lang="en-US" dirty="0"/>
+              <a:t>Thus, it seems OpenAI can predict the number of software defects better when there is only a small sample size</a:t>
             </a:r>
           </a:p>
           <a:p>
@@ -24850,6 +24860,15 @@
 </file>
 
 <file path=customXml/item1.xml><?xml version="1.0" encoding="utf-8"?>
+<?mso-contentType ?>
+<FormTemplates xmlns="http://schemas.microsoft.com/sharepoint/v3/contenttype/forms">
+  <Display>DocumentLibraryForm</Display>
+  <Edit>DocumentLibraryForm</Edit>
+  <New>DocumentLibraryForm</New>
+</FormTemplates>
+</file>
+
+<file path=customXml/item2.xml><?xml version="1.0" encoding="utf-8"?>
 <p:properties xmlns:p="http://schemas.microsoft.com/office/2006/metadata/properties" xmlns:xsi="http://www.w3.org/2001/XMLSchema-instance" xmlns:pc="http://schemas.microsoft.com/office/infopath/2007/PartnerControls">
   <documentManagement>
     <_ip_UnifiedCompliancePolicyUIAction xmlns="http://schemas.microsoft.com/sharepoint/v3" xsi:nil="true"/>
@@ -24867,15 +24886,6 @@
     <Background xmlns="71af3243-3dd4-4a8d-8c0d-dd76da1f02a5">false</Background>
   </documentManagement>
 </p:properties>
-</file>
-
-<file path=customXml/item2.xml><?xml version="1.0" encoding="utf-8"?>
-<?mso-contentType ?>
-<FormTemplates xmlns="http://schemas.microsoft.com/sharepoint/v3/contenttype/forms">
-  <Display>DocumentLibraryForm</Display>
-  <Edit>DocumentLibraryForm</Edit>
-  <New>DocumentLibraryForm</New>
-</FormTemplates>
 </file>
 
 <file path=customXml/item3.xml><?xml version="1.0" encoding="utf-8"?>
@@ -25191,6 +25201,14 @@
 </file>
 
 <file path=customXml/itemProps1.xml><?xml version="1.0" encoding="utf-8"?>
+<ds:datastoreItem xmlns:ds="http://schemas.openxmlformats.org/officeDocument/2006/customXml" ds:itemID="{BD5826B4-4DD2-4A9B-8D6D-E91CF9C2316C}">
+  <ds:schemaRefs>
+    <ds:schemaRef ds:uri="http://schemas.microsoft.com/sharepoint/v3/contenttype/forms"/>
+  </ds:schemaRefs>
+</ds:datastoreItem>
+</file>
+
+<file path=customXml/itemProps2.xml><?xml version="1.0" encoding="utf-8"?>
 <ds:datastoreItem xmlns:ds="http://schemas.openxmlformats.org/officeDocument/2006/customXml" ds:itemID="{4CC7F809-A434-4A8D-A127-1C50C2DB3890}">
   <ds:schemaRefs>
     <ds:schemaRef ds:uri="http://schemas.microsoft.com/office/2006/metadata/properties"/>
@@ -25198,14 +25216,6 @@
     <ds:schemaRef ds:uri="http://schemas.microsoft.com/sharepoint/v3"/>
     <ds:schemaRef ds:uri="71af3243-3dd4-4a8d-8c0d-dd76da1f02a5"/>
     <ds:schemaRef ds:uri="230e9df3-be65-4c73-a93b-d1236ebd677e"/>
-  </ds:schemaRefs>
-</ds:datastoreItem>
-</file>
-
-<file path=customXml/itemProps2.xml><?xml version="1.0" encoding="utf-8"?>
-<ds:datastoreItem xmlns:ds="http://schemas.openxmlformats.org/officeDocument/2006/customXml" ds:itemID="{BD5826B4-4DD2-4A9B-8D6D-E91CF9C2316C}">
-  <ds:schemaRefs>
-    <ds:schemaRef ds:uri="http://schemas.microsoft.com/sharepoint/v3/contenttype/forms"/>
   </ds:schemaRefs>
 </ds:datastoreItem>
 </file>

--- a/CS588 Project Deliverable 2.pptx
+++ b/CS588 Project Deliverable 2.pptx
@@ -5,10 +5,10 @@
     <p:sldMasterId id="2147483648" r:id="rId4"/>
   </p:sldMasterIdLst>
   <p:notesMasterIdLst>
-    <p:notesMasterId r:id="rId17"/>
+    <p:notesMasterId r:id="rId18"/>
   </p:notesMasterIdLst>
   <p:handoutMasterIdLst>
-    <p:handoutMasterId r:id="rId18"/>
+    <p:handoutMasterId r:id="rId19"/>
   </p:handoutMasterIdLst>
   <p:sldIdLst>
     <p:sldId id="256" r:id="rId5"/>
@@ -20,9 +20,10 @@
     <p:sldId id="277" r:id="rId11"/>
     <p:sldId id="265" r:id="rId12"/>
     <p:sldId id="270" r:id="rId13"/>
-    <p:sldId id="276" r:id="rId14"/>
-    <p:sldId id="266" r:id="rId15"/>
-    <p:sldId id="274" r:id="rId16"/>
+    <p:sldId id="278" r:id="rId14"/>
+    <p:sldId id="276" r:id="rId15"/>
+    <p:sldId id="266" r:id="rId16"/>
+    <p:sldId id="274" r:id="rId17"/>
   </p:sldIdLst>
   <p:sldSz cx="12192000" cy="6858000"/>
   <p:notesSz cx="6858000" cy="9144000"/>
@@ -10812,7 +10813,7 @@
           <a:p>
             <a:fld id="{B56F32FC-4BD9-442A-A8C6-51598C909FE3}" type="datetimeFigureOut">
               <a:rPr lang="en-US" smtClean="0"/>
-              <a:t>11/28/2023</a:t>
+              <a:t>11/29/2023</a:t>
             </a:fld>
             <a:endParaRPr lang="en-US" dirty="0"/>
           </a:p>
@@ -10989,7 +10990,7 @@
           <a:p>
             <a:fld id="{056371FA-A98D-41E8-93F4-09945841298A}" type="datetimeFigureOut">
               <a:rPr lang="en-US" smtClean="0"/>
-              <a:t>11/28/2023</a:t>
+              <a:t>11/29/2023</a:t>
             </a:fld>
             <a:endParaRPr lang="en-US" dirty="0"/>
           </a:p>
@@ -20226,7 +20227,7 @@
           <a:p>
             <a:r>
               <a:rPr lang="en-US" dirty="0"/>
-              <a:t>FUTURE Expansion</a:t>
+              <a:t>Discussion</a:t>
             </a:r>
           </a:p>
         </p:txBody>
@@ -20245,11 +20246,6 @@
           </p:cNvGraphicFramePr>
           <p:nvPr>
             <p:ph type="dgm" sz="quarter" idx="15"/>
-            <p:extLst>
-              <p:ext uri="{D42A27DB-BD31-4B8C-83A1-F6EECF244321}">
-                <p14:modId xmlns:p14="http://schemas.microsoft.com/office/powerpoint/2010/main" val="165721509"/>
-              </p:ext>
-            </p:extLst>
           </p:nvPr>
         </p:nvGraphicFramePr>
         <p:xfrm>
@@ -20334,6 +20330,271 @@
           </a:p>
         </p:txBody>
       </p:sp>
+      <p:sp>
+        <p:nvSpPr>
+          <p:cNvPr id="4" name="TextBox 3">
+            <a:extLst>
+              <a:ext uri="{FF2B5EF4-FFF2-40B4-BE49-F238E27FC236}">
+                <a16:creationId xmlns:a16="http://schemas.microsoft.com/office/drawing/2014/main" id="{79AE06C0-1568-71B7-8E4C-FDC50EC635CA}"/>
+              </a:ext>
+            </a:extLst>
+          </p:cNvPr>
+          <p:cNvSpPr txBox="1"/>
+          <p:nvPr/>
+        </p:nvSpPr>
+        <p:spPr>
+          <a:xfrm>
+            <a:off x="1524000" y="1690688"/>
+            <a:ext cx="9296400" cy="3139321"/>
+          </a:xfrm>
+          <a:prstGeom prst="rect">
+            <a:avLst/>
+          </a:prstGeom>
+          <a:noFill/>
+        </p:spPr>
+        <p:txBody>
+          <a:bodyPr wrap="square" rtlCol="0">
+            <a:spAutoFit/>
+          </a:bodyPr>
+          <a:lstStyle/>
+          <a:p>
+            <a:pPr marL="285750" indent="-285750">
+              <a:buFont typeface="Arial" panose="020B0604020202020204" pitchFamily="34" charset="0"/>
+              <a:buChar char="•"/>
+            </a:pPr>
+            <a:r>
+              <a:rPr lang="en-US" dirty="0"/>
+              <a:t>With the small amount of training data, OpenAI predicts the number of bug with better than our trained model</a:t>
+            </a:r>
+          </a:p>
+          <a:p>
+            <a:pPr marL="742950" lvl="1" indent="-285750">
+              <a:buFont typeface="Arial" panose="020B0604020202020204" pitchFamily="34" charset="0"/>
+              <a:buChar char="•"/>
+            </a:pPr>
+            <a:r>
+              <a:rPr lang="en-US" dirty="0"/>
+              <a:t>OpenAI had a 0.02 </a:t>
+            </a:r>
+            <a:r>
+              <a:rPr lang="en-US" dirty="0" err="1"/>
+              <a:t>R_Squared</a:t>
+            </a:r>
+            <a:r>
+              <a:rPr lang="en-US" dirty="0"/>
+              <a:t>, while our model had a -0.02 </a:t>
+            </a:r>
+            <a:r>
+              <a:rPr lang="en-US" dirty="0" err="1"/>
+              <a:t>R_Squared</a:t>
+            </a:r>
+            <a:endParaRPr lang="en-US" dirty="0"/>
+          </a:p>
+          <a:p>
+            <a:pPr marL="742950" lvl="1" indent="-285750">
+              <a:buFont typeface="Arial" panose="020B0604020202020204" pitchFamily="34" charset="0"/>
+              <a:buChar char="•"/>
+            </a:pPr>
+            <a:r>
+              <a:rPr lang="en-US" dirty="0"/>
+              <a:t>The data used for testing is randomly selected, but contained a large number of rows (103 rows) having 0 bugs, and this could skew our experiment results</a:t>
+            </a:r>
+          </a:p>
+          <a:p>
+            <a:pPr marL="285750" indent="-285750">
+              <a:buFont typeface="Arial" panose="020B0604020202020204" pitchFamily="34" charset="0"/>
+              <a:buChar char="•"/>
+            </a:pPr>
+            <a:r>
+              <a:rPr lang="en-US" dirty="0"/>
+              <a:t>Limitation of our model is largely due to the OpenAI’s API token limit, which limits the amount of data our model can be trained on since we give the same data to our model and OpenAI’s API</a:t>
+            </a:r>
+          </a:p>
+          <a:p>
+            <a:pPr marL="285750" indent="-285750">
+              <a:buFont typeface="Arial" panose="020B0604020202020204" pitchFamily="34" charset="0"/>
+              <a:buChar char="•"/>
+            </a:pPr>
+            <a:r>
+              <a:rPr lang="en-US" dirty="0"/>
+              <a:t>Thus, it seems OpenAI can predict the number of software defects better when there is only not a lot of training data</a:t>
+            </a:r>
+          </a:p>
+          <a:p>
+            <a:pPr marL="285750" indent="-285750">
+              <a:buFont typeface="Arial" panose="020B0604020202020204" pitchFamily="34" charset="0"/>
+              <a:buChar char="•"/>
+            </a:pPr>
+            <a:endParaRPr lang="en-US" dirty="0"/>
+          </a:p>
+        </p:txBody>
+      </p:sp>
+    </p:spTree>
+    <p:extLst>
+      <p:ext uri="{BB962C8B-B14F-4D97-AF65-F5344CB8AC3E}">
+        <p14:creationId xmlns:p14="http://schemas.microsoft.com/office/powerpoint/2010/main" val="3554962986"/>
+      </p:ext>
+    </p:extLst>
+  </p:cSld>
+  <p:clrMapOvr>
+    <a:masterClrMapping/>
+  </p:clrMapOvr>
+</p:sld>
+</file>
+
+<file path=ppt/slides/slide11.xml><?xml version="1.0" encoding="utf-8"?>
+<p:sld xmlns:a="http://schemas.openxmlformats.org/drawingml/2006/main" xmlns:r="http://schemas.openxmlformats.org/officeDocument/2006/relationships" xmlns:p="http://schemas.openxmlformats.org/presentationml/2006/main">
+  <p:cSld>
+    <p:spTree>
+      <p:nvGrpSpPr>
+        <p:cNvPr id="1" name=""/>
+        <p:cNvGrpSpPr/>
+        <p:nvPr/>
+      </p:nvGrpSpPr>
+      <p:grpSpPr>
+        <a:xfrm>
+          <a:off x="0" y="0"/>
+          <a:ext cx="0" cy="0"/>
+          <a:chOff x="0" y="0"/>
+          <a:chExt cx="0" cy="0"/>
+        </a:xfrm>
+      </p:grpSpPr>
+      <p:sp>
+        <p:nvSpPr>
+          <p:cNvPr id="3" name="Title 2">
+            <a:extLst>
+              <a:ext uri="{FF2B5EF4-FFF2-40B4-BE49-F238E27FC236}">
+                <a16:creationId xmlns:a16="http://schemas.microsoft.com/office/drawing/2014/main" id="{77762301-F83A-4BEA-9D11-E6C99FB574A8}"/>
+              </a:ext>
+            </a:extLst>
+          </p:cNvPr>
+          <p:cNvSpPr>
+            <a:spLocks noGrp="1"/>
+          </p:cNvSpPr>
+          <p:nvPr>
+            <p:ph type="title"/>
+          </p:nvPr>
+        </p:nvSpPr>
+        <p:spPr>
+          <a:xfrm>
+            <a:off x="838200" y="365125"/>
+            <a:ext cx="10515600" cy="1325563"/>
+          </a:xfrm>
+        </p:spPr>
+        <p:txBody>
+          <a:bodyPr/>
+          <a:lstStyle/>
+          <a:p>
+            <a:r>
+              <a:rPr lang="en-US" dirty="0"/>
+              <a:t>FUTURE Expansion</a:t>
+            </a:r>
+          </a:p>
+        </p:txBody>
+      </p:sp>
+      <p:graphicFrame>
+        <p:nvGraphicFramePr>
+          <p:cNvPr id="33" name="Content Placeholder 3" descr="Timeline Placeholder ">
+            <a:extLst>
+              <a:ext uri="{FF2B5EF4-FFF2-40B4-BE49-F238E27FC236}">
+                <a16:creationId xmlns:a16="http://schemas.microsoft.com/office/drawing/2014/main" id="{7BC1F95D-CCD2-421B-B06B-706699FAAD5D}"/>
+              </a:ext>
+            </a:extLst>
+          </p:cNvPr>
+          <p:cNvGraphicFramePr>
+            <a:graphicFrameLocks noGrp="1"/>
+          </p:cNvGraphicFramePr>
+          <p:nvPr>
+            <p:ph type="dgm" sz="quarter" idx="15"/>
+            <p:extLst>
+              <p:ext uri="{D42A27DB-BD31-4B8C-83A1-F6EECF244321}">
+                <p14:modId xmlns:p14="http://schemas.microsoft.com/office/powerpoint/2010/main" val="165721509"/>
+              </p:ext>
+            </p:extLst>
+          </p:nvPr>
+        </p:nvGraphicFramePr>
+        <p:xfrm>
+          <a:off x="838200" y="2111375"/>
+          <a:ext cx="10515600" cy="3744913"/>
+        </p:xfrm>
+        <a:graphic>
+          <a:graphicData uri="http://schemas.openxmlformats.org/drawingml/2006/diagram">
+            <dgm:relIds xmlns:dgm="http://schemas.openxmlformats.org/drawingml/2006/diagram" xmlns:r="http://schemas.openxmlformats.org/officeDocument/2006/relationships" r:dm="rId2" r:lo="rId3" r:qs="rId4" r:cs="rId5"/>
+          </a:graphicData>
+        </a:graphic>
+      </p:graphicFrame>
+      <p:sp>
+        <p:nvSpPr>
+          <p:cNvPr id="8" name="Slide Number Placeholder 7">
+            <a:extLst>
+              <a:ext uri="{FF2B5EF4-FFF2-40B4-BE49-F238E27FC236}">
+                <a16:creationId xmlns:a16="http://schemas.microsoft.com/office/drawing/2014/main" id="{92908AF9-2A07-4B50-BC13-471792106EC8}"/>
+              </a:ext>
+            </a:extLst>
+          </p:cNvPr>
+          <p:cNvSpPr>
+            <a:spLocks noGrp="1"/>
+          </p:cNvSpPr>
+          <p:nvPr>
+            <p:ph type="sldNum" sz="quarter" idx="12"/>
+          </p:nvPr>
+        </p:nvSpPr>
+        <p:spPr>
+          <a:xfrm>
+            <a:off x="8610600" y="6356350"/>
+            <a:ext cx="2743200" cy="365125"/>
+          </a:xfrm>
+        </p:spPr>
+        <p:txBody>
+          <a:bodyPr/>
+          <a:lstStyle/>
+          <a:p>
+            <a:fld id="{A49DFD55-3C28-40EF-9E31-A92D2E4017FF}" type="slidenum">
+              <a:rPr lang="en-US" smtClean="0"/>
+              <a:pPr/>
+              <a:t>11</a:t>
+            </a:fld>
+            <a:endParaRPr lang="en-US" dirty="0"/>
+          </a:p>
+        </p:txBody>
+      </p:sp>
+      <p:sp>
+        <p:nvSpPr>
+          <p:cNvPr id="2" name="Footer Placeholder 3">
+            <a:extLst>
+              <a:ext uri="{FF2B5EF4-FFF2-40B4-BE49-F238E27FC236}">
+                <a16:creationId xmlns:a16="http://schemas.microsoft.com/office/drawing/2014/main" id="{5805562A-34DE-4002-8EF1-F3BC6CE9AD35}"/>
+              </a:ext>
+            </a:extLst>
+          </p:cNvPr>
+          <p:cNvSpPr>
+            <a:spLocks noGrp="1"/>
+          </p:cNvSpPr>
+          <p:nvPr>
+            <p:ph type="ftr" sz="quarter" idx="11"/>
+          </p:nvPr>
+        </p:nvSpPr>
+        <p:spPr>
+          <a:xfrm>
+            <a:off x="1" y="6513122"/>
+            <a:ext cx="5635690" cy="365125"/>
+          </a:xfrm>
+        </p:spPr>
+        <p:txBody>
+          <a:bodyPr/>
+          <a:lstStyle/>
+          <a:p>
+            <a:r>
+              <a:rPr lang="en-US" b="0" i="0" dirty="0">
+                <a:effectLst/>
+                <a:latin typeface="Arial" panose="020B0604020202020204" pitchFamily="34" charset="0"/>
+              </a:rPr>
+              <a:t>The Use of Generative AI (OpenAI AI) to generate time-series forecasts and estimates for defect detection</a:t>
+            </a:r>
+            <a:endParaRPr lang="en-US" dirty="0"/>
+          </a:p>
+        </p:txBody>
+      </p:sp>
     </p:spTree>
     <p:extLst>
       <p:ext uri="{BB962C8B-B14F-4D97-AF65-F5344CB8AC3E}">
@@ -20347,7 +20608,7 @@
 </p:sld>
 </file>
 
-<file path=ppt/slides/slide11.xml><?xml version="1.0" encoding="utf-8"?>
+<file path=ppt/slides/slide12.xml><?xml version="1.0" encoding="utf-8"?>
 <p:sld xmlns:a="http://schemas.openxmlformats.org/drawingml/2006/main" xmlns:r="http://schemas.openxmlformats.org/officeDocument/2006/relationships" xmlns:p="http://schemas.openxmlformats.org/presentationml/2006/main">
   <p:cSld>
     <p:spTree>
@@ -20426,7 +20687,7 @@
             <a:fld id="{A49DFD55-3C28-40EF-9E31-A92D2E4017FF}" type="slidenum">
               <a:rPr lang="en-US" smtClean="0"/>
               <a:pPr/>
-              <a:t>11</a:t>
+              <a:t>12</a:t>
             </a:fld>
             <a:endParaRPr lang="en-US" dirty="0"/>
           </a:p>
@@ -20531,7 +20792,7 @@
 </p:sld>
 </file>
 
-<file path=ppt/slides/slide12.xml><?xml version="1.0" encoding="utf-8"?>
+<file path=ppt/slides/slide13.xml><?xml version="1.0" encoding="utf-8"?>
 <p:sld xmlns:a="http://schemas.openxmlformats.org/drawingml/2006/main" xmlns:r="http://schemas.openxmlformats.org/officeDocument/2006/relationships" xmlns:p="http://schemas.openxmlformats.org/presentationml/2006/main">
   <p:cSld>
     <p:spTree>
@@ -20699,7 +20960,7 @@
             <a:fld id="{A49DFD55-3C28-40EF-9E31-A92D2E4017FF}" type="slidenum">
               <a:rPr lang="en-US" smtClean="0"/>
               <a:pPr/>
-              <a:t>12</a:t>
+              <a:t>13</a:t>
             </a:fld>
             <a:endParaRPr lang="en-US" dirty="0"/>
           </a:p>
@@ -23881,42 +24142,11 @@
           <a:p>
             <a:r>
               <a:rPr lang="en-US" dirty="0"/>
-              <a:t>Discussion</a:t>
+              <a:t>Experiment results using a script</a:t>
             </a:r>
           </a:p>
         </p:txBody>
       </p:sp>
-      <p:graphicFrame>
-        <p:nvGraphicFramePr>
-          <p:cNvPr id="33" name="Content Placeholder 3" descr="Timeline Placeholder ">
-            <a:extLst>
-              <a:ext uri="{FF2B5EF4-FFF2-40B4-BE49-F238E27FC236}">
-                <a16:creationId xmlns:a16="http://schemas.microsoft.com/office/drawing/2014/main" id="{7BC1F95D-CCD2-421B-B06B-706699FAAD5D}"/>
-              </a:ext>
-            </a:extLst>
-          </p:cNvPr>
-          <p:cNvGraphicFramePr>
-            <a:graphicFrameLocks noGrp="1"/>
-          </p:cNvGraphicFramePr>
-          <p:nvPr>
-            <p:ph type="dgm" sz="quarter" idx="15"/>
-            <p:extLst>
-              <p:ext uri="{D42A27DB-BD31-4B8C-83A1-F6EECF244321}">
-                <p14:modId xmlns:p14="http://schemas.microsoft.com/office/powerpoint/2010/main" val="4253679538"/>
-              </p:ext>
-            </p:extLst>
-          </p:nvPr>
-        </p:nvGraphicFramePr>
-        <p:xfrm>
-          <a:off x="838200" y="2111375"/>
-          <a:ext cx="10515600" cy="3744913"/>
-        </p:xfrm>
-        <a:graphic>
-          <a:graphicData uri="http://schemas.openxmlformats.org/drawingml/2006/diagram">
-            <dgm:relIds xmlns:dgm="http://schemas.openxmlformats.org/drawingml/2006/diagram" xmlns:r="http://schemas.openxmlformats.org/officeDocument/2006/relationships" r:dm="rId2" r:lo="rId3" r:qs="rId4" r:cs="rId5"/>
-          </a:graphicData>
-        </a:graphic>
-      </p:graphicFrame>
       <p:sp>
         <p:nvSpPr>
           <p:cNvPr id="8" name="Slide Number Placeholder 7">
@@ -24004,7 +24234,7 @@
         <p:spPr>
           <a:xfrm>
             <a:off x="1524000" y="1690688"/>
-            <a:ext cx="9296400" cy="2031325"/>
+            <a:ext cx="9296400" cy="1200329"/>
           </a:xfrm>
           <a:prstGeom prst="rect">
             <a:avLst/>
@@ -24023,7 +24253,7 @@
             </a:pPr>
             <a:r>
               <a:rPr lang="en-US" dirty="0"/>
-              <a:t>With the small samples and small number of experiments, OpenAI predicts the number of bug with better than our trained model</a:t>
+              <a:t>Instead of manual experiment, a script was used to run this experiment with 135 rows of test data, also from the same dataset</a:t>
             </a:r>
           </a:p>
           <a:p>
@@ -24031,20 +24261,7 @@
               <a:buFont typeface="Arial" panose="020B0604020202020204" pitchFamily="34" charset="0"/>
               <a:buChar char="•"/>
             </a:pPr>
-            <a:r>
-              <a:rPr lang="en-US" dirty="0"/>
-              <a:t>Limitation is largely due to the API token limit, which limits the amount of data our model can be trained on since we give the same data to our model and OpenAI</a:t>
-            </a:r>
-          </a:p>
-          <a:p>
-            <a:pPr marL="285750" indent="-285750">
-              <a:buFont typeface="Arial" panose="020B0604020202020204" pitchFamily="34" charset="0"/>
-              <a:buChar char="•"/>
-            </a:pPr>
-            <a:r>
-              <a:rPr lang="en-US" dirty="0"/>
-              <a:t>Thus, it seems OpenAI can predict the number of software defects better when there is only a small sample size</a:t>
-            </a:r>
+            <a:endParaRPr lang="en-US" dirty="0"/>
           </a:p>
           <a:p>
             <a:pPr marL="285750" indent="-285750">
@@ -24055,6 +24272,36 @@
           </a:p>
         </p:txBody>
       </p:sp>
+      <p:pic>
+        <p:nvPicPr>
+          <p:cNvPr id="9" name="Picture 8">
+            <a:extLst>
+              <a:ext uri="{FF2B5EF4-FFF2-40B4-BE49-F238E27FC236}">
+                <a16:creationId xmlns:a16="http://schemas.microsoft.com/office/drawing/2014/main" id="{95B96768-6B7B-EE06-5BD4-9B4FCDA27EC0}"/>
+              </a:ext>
+            </a:extLst>
+          </p:cNvPr>
+          <p:cNvPicPr>
+            <a:picLocks noChangeAspect="1"/>
+          </p:cNvPicPr>
+          <p:nvPr/>
+        </p:nvPicPr>
+        <p:blipFill>
+          <a:blip r:embed="rId2"/>
+          <a:stretch>
+            <a:fillRect/>
+          </a:stretch>
+        </p:blipFill>
+        <p:spPr>
+          <a:xfrm>
+            <a:off x="2328862" y="2422525"/>
+            <a:ext cx="7686675" cy="3933825"/>
+          </a:xfrm>
+          <a:prstGeom prst="rect">
+            <a:avLst/>
+          </a:prstGeom>
+        </p:spPr>
+      </p:pic>
     </p:spTree>
     <p:extLst>
       <p:ext uri="{BB962C8B-B14F-4D97-AF65-F5344CB8AC3E}">
@@ -24860,15 +25107,6 @@
 </file>
 
 <file path=customXml/item1.xml><?xml version="1.0" encoding="utf-8"?>
-<?mso-contentType ?>
-<FormTemplates xmlns="http://schemas.microsoft.com/sharepoint/v3/contenttype/forms">
-  <Display>DocumentLibraryForm</Display>
-  <Edit>DocumentLibraryForm</Edit>
-  <New>DocumentLibraryForm</New>
-</FormTemplates>
-</file>
-
-<file path=customXml/item2.xml><?xml version="1.0" encoding="utf-8"?>
 <p:properties xmlns:p="http://schemas.microsoft.com/office/2006/metadata/properties" xmlns:xsi="http://www.w3.org/2001/XMLSchema-instance" xmlns:pc="http://schemas.microsoft.com/office/infopath/2007/PartnerControls">
   <documentManagement>
     <_ip_UnifiedCompliancePolicyUIAction xmlns="http://schemas.microsoft.com/sharepoint/v3" xsi:nil="true"/>
@@ -24886,6 +25124,15 @@
     <Background xmlns="71af3243-3dd4-4a8d-8c0d-dd76da1f02a5">false</Background>
   </documentManagement>
 </p:properties>
+</file>
+
+<file path=customXml/item2.xml><?xml version="1.0" encoding="utf-8"?>
+<?mso-contentType ?>
+<FormTemplates xmlns="http://schemas.microsoft.com/sharepoint/v3/contenttype/forms">
+  <Display>DocumentLibraryForm</Display>
+  <Edit>DocumentLibraryForm</Edit>
+  <New>DocumentLibraryForm</New>
+</FormTemplates>
 </file>
 
 <file path=customXml/item3.xml><?xml version="1.0" encoding="utf-8"?>
@@ -25201,14 +25448,6 @@
 </file>
 
 <file path=customXml/itemProps1.xml><?xml version="1.0" encoding="utf-8"?>
-<ds:datastoreItem xmlns:ds="http://schemas.openxmlformats.org/officeDocument/2006/customXml" ds:itemID="{BD5826B4-4DD2-4A9B-8D6D-E91CF9C2316C}">
-  <ds:schemaRefs>
-    <ds:schemaRef ds:uri="http://schemas.microsoft.com/sharepoint/v3/contenttype/forms"/>
-  </ds:schemaRefs>
-</ds:datastoreItem>
-</file>
-
-<file path=customXml/itemProps2.xml><?xml version="1.0" encoding="utf-8"?>
 <ds:datastoreItem xmlns:ds="http://schemas.openxmlformats.org/officeDocument/2006/customXml" ds:itemID="{4CC7F809-A434-4A8D-A127-1C50C2DB3890}">
   <ds:schemaRefs>
     <ds:schemaRef ds:uri="http://schemas.microsoft.com/office/2006/metadata/properties"/>
@@ -25216,6 +25455,14 @@
     <ds:schemaRef ds:uri="http://schemas.microsoft.com/sharepoint/v3"/>
     <ds:schemaRef ds:uri="71af3243-3dd4-4a8d-8c0d-dd76da1f02a5"/>
     <ds:schemaRef ds:uri="230e9df3-be65-4c73-a93b-d1236ebd677e"/>
+  </ds:schemaRefs>
+</ds:datastoreItem>
+</file>
+
+<file path=customXml/itemProps2.xml><?xml version="1.0" encoding="utf-8"?>
+<ds:datastoreItem xmlns:ds="http://schemas.openxmlformats.org/officeDocument/2006/customXml" ds:itemID="{BD5826B4-4DD2-4A9B-8D6D-E91CF9C2316C}">
+  <ds:schemaRefs>
+    <ds:schemaRef ds:uri="http://schemas.microsoft.com/sharepoint/v3/contenttype/forms"/>
   </ds:schemaRefs>
 </ds:datastoreItem>
 </file>
